--- a/documentation/Создание обучающего сайта EdInPy.pptx
+++ b/documentation/Создание обучающего сайта EdInPy.pptx
@@ -4357,7 +4357,7 @@
         </p:spPr>
         <p:txBody>
           <a:bodyPr>
-            <a:normAutofit/>
+            <a:normAutofit lnSpcReduction="10000"/>
           </a:bodyPr>
           <a:lstStyle/>
           <a:p>
@@ -4367,14 +4367,7 @@
                 <a:latin typeface="+mn-lt"/>
                 <a:cs typeface="Times New Roman" panose="02020603050405020304" pitchFamily="18" charset="0"/>
               </a:rPr>
-              <a:t>Участник</a:t>
-            </a:r>
-            <a:r>
-              <a:rPr lang="ru-RU" sz="2000" b="1" cap="none" spc="0" dirty="0">
-                <a:latin typeface="+mn-lt"/>
-                <a:cs typeface="Times New Roman" panose="02020603050405020304" pitchFamily="18" charset="0"/>
-              </a:rPr>
-              <a:t>и</a:t>
+              <a:t>Разработчики</a:t>
             </a:r>
             <a:r>
               <a:rPr lang="ru-RU" sz="2000" b="1" cap="none" spc="0" dirty="0" smtClean="0">
@@ -4383,6 +4376,10 @@
               </a:rPr>
               <a:t>:</a:t>
             </a:r>
+            <a:endParaRPr lang="ru-RU" sz="2000" b="1" cap="none" spc="0" dirty="0" smtClean="0">
+              <a:latin typeface="+mn-lt"/>
+              <a:cs typeface="Times New Roman" panose="02020603050405020304" pitchFamily="18" charset="0"/>
+            </a:endParaRPr>
           </a:p>
           <a:p>
             <a:pPr algn="l"/>
@@ -4391,14 +4388,21 @@
                 <a:latin typeface="+mn-lt"/>
                 <a:cs typeface="Times New Roman" panose="02020603050405020304" pitchFamily="18" charset="0"/>
               </a:rPr>
-              <a:t>у</a:t>
+              <a:t>У</a:t>
             </a:r>
             <a:r>
               <a:rPr lang="ru-RU" sz="2000" b="1" cap="none" spc="0" dirty="0" smtClean="0">
                 <a:latin typeface="+mn-lt"/>
                 <a:cs typeface="Times New Roman" panose="02020603050405020304" pitchFamily="18" charset="0"/>
               </a:rPr>
-              <a:t>ченик 8 «Д» класса ГАОУ Лицей города Троицка</a:t>
+              <a:t>ченик </a:t>
+            </a:r>
+            <a:r>
+              <a:rPr lang="ru-RU" sz="2000" b="1" cap="none" spc="0" dirty="0" smtClean="0">
+                <a:latin typeface="+mn-lt"/>
+                <a:cs typeface="Times New Roman" panose="02020603050405020304" pitchFamily="18" charset="0"/>
+              </a:rPr>
+              <a:t>8 «Д» класса ГАОУ Лицей города Троицка</a:t>
             </a:r>
           </a:p>
           <a:p>
@@ -4418,18 +4422,11 @@
               <a:t> Лев </a:t>
             </a:r>
             <a:r>
-              <a:rPr lang="ru-RU" sz="2000" b="1" cap="none" spc="0" dirty="0">
-                <a:latin typeface="+mn-lt"/>
-                <a:cs typeface="Times New Roman" panose="02020603050405020304" pitchFamily="18" charset="0"/>
-              </a:rPr>
-              <a:t>А</a:t>
-            </a:r>
-            <a:r>
               <a:rPr lang="ru-RU" sz="2000" b="1" cap="none" spc="0" dirty="0" smtClean="0">
                 <a:latin typeface="+mn-lt"/>
                 <a:cs typeface="Times New Roman" panose="02020603050405020304" pitchFamily="18" charset="0"/>
               </a:rPr>
-              <a:t>ндреевич</a:t>
+              <a:t>Андреевич</a:t>
             </a:r>
           </a:p>
           <a:p>
@@ -4440,16 +4437,38 @@
             </a:endParaRPr>
           </a:p>
           <a:p>
-            <a:pPr algn="l"/>
             <a:r>
               <a:rPr lang="ru-RU" sz="2000" b="1" cap="none" spc="0" dirty="0" smtClean="0">
                 <a:latin typeface="+mn-lt"/>
                 <a:cs typeface="Times New Roman" panose="02020603050405020304" pitchFamily="18" charset="0"/>
               </a:rPr>
-              <a:t>Ученик 8 ИНФО АНДРЕЯ</a:t>
-            </a:r>
-            <a:endParaRPr lang="ru-RU" sz="2000" b="1" cap="none" spc="0" dirty="0">
-              <a:latin typeface="+mn-lt"/>
+              <a:t>Ученик 9 </a:t>
+            </a:r>
+            <a:r>
+              <a:rPr lang="ru-RU" sz="2000" b="1" cap="none" spc="0" dirty="0" smtClean="0">
+                <a:latin typeface="Calibri (Основной текст)"/>
+                <a:cs typeface="Times New Roman" panose="02020603050405020304" pitchFamily="18" charset="0"/>
+              </a:rPr>
+              <a:t>«Г» класса ГАОУ Гимназия города Троицка</a:t>
+            </a:r>
+          </a:p>
+          <a:p>
+            <a:r>
+              <a:rPr lang="ru-RU" sz="2000" b="1" cap="none" spc="0" dirty="0" err="1" smtClean="0">
+                <a:latin typeface="Calibri (Основной текст)"/>
+                <a:cs typeface="Times New Roman" panose="02020603050405020304" pitchFamily="18" charset="0"/>
+              </a:rPr>
+              <a:t>Саломатин</a:t>
+            </a:r>
+            <a:r>
+              <a:rPr lang="ru-RU" sz="2000" b="1" cap="none" spc="0" dirty="0" smtClean="0">
+                <a:latin typeface="Calibri (Основной текст)"/>
+                <a:cs typeface="Times New Roman" panose="02020603050405020304" pitchFamily="18" charset="0"/>
+              </a:rPr>
+              <a:t> Андрей Дмитриевич</a:t>
+            </a:r>
+            <a:endParaRPr lang="ru-RU" sz="2000" b="1" cap="none" spc="0" dirty="0" smtClean="0">
+              <a:latin typeface="Calibri (Основной текст)"/>
               <a:cs typeface="Times New Roman" panose="02020603050405020304" pitchFamily="18" charset="0"/>
             </a:endParaRPr>
           </a:p>
@@ -4579,11 +4598,7 @@
             </a:r>
             <a:r>
               <a:rPr lang="ru-RU" sz="3200" dirty="0" smtClean="0"/>
-              <a:t>написание </a:t>
-            </a:r>
-            <a:r>
-              <a:rPr lang="ru-RU" sz="3200" dirty="0" smtClean="0"/>
-              <a:t>веб-приложения</a:t>
+              <a:t>написание веб-приложения</a:t>
             </a:r>
             <a:r>
               <a:rPr lang="en-US" sz="3200" dirty="0" smtClean="0"/>
@@ -4591,11 +4606,7 @@
             </a:r>
             <a:r>
               <a:rPr lang="ru-RU" sz="3200" dirty="0" smtClean="0"/>
-              <a:t>для обучения </a:t>
-            </a:r>
-            <a:r>
-              <a:rPr lang="ru-RU" sz="3200" dirty="0" smtClean="0"/>
-              <a:t>языку программирования </a:t>
+              <a:t>для обучения языку программирования </a:t>
             </a:r>
             <a:r>
               <a:rPr lang="en-US" sz="3200" dirty="0" smtClean="0"/>
@@ -5733,16 +5744,7 @@
                 </a:solidFill>
                 <a:latin typeface="+mn-lt"/>
               </a:rPr>
-              <a:t>Что в итоге получилось</a:t>
-            </a:r>
-            <a:r>
-              <a:rPr lang="ru-RU" sz="4000" b="1" dirty="0" smtClean="0">
-                <a:solidFill>
-                  <a:srgbClr val="0070C0"/>
-                </a:solidFill>
-                <a:latin typeface="+mn-lt"/>
-              </a:rPr>
-              <a:t>?</a:t>
+              <a:t>Что в итоге получилось?</a:t>
             </a:r>
             <a:endParaRPr lang="ru-RU" sz="4000" b="1" dirty="0">
               <a:solidFill>

--- a/documentation/Создание обучающего сайта EdInPy.pptx
+++ b/documentation/Создание обучающего сайта EdInPy.pptx
@@ -5,7 +5,7 @@
     <p:sldMasterId id="2147483695" r:id="rId1"/>
   </p:sldMasterIdLst>
   <p:notesMasterIdLst>
-    <p:notesMasterId r:id="rId9"/>
+    <p:notesMasterId r:id="rId10"/>
   </p:notesMasterIdLst>
   <p:sldIdLst>
     <p:sldId id="256" r:id="rId2"/>
@@ -14,7 +14,8 @@
     <p:sldId id="267" r:id="rId5"/>
     <p:sldId id="261" r:id="rId6"/>
     <p:sldId id="262" r:id="rId7"/>
-    <p:sldId id="263" r:id="rId8"/>
+    <p:sldId id="268" r:id="rId8"/>
+    <p:sldId id="263" r:id="rId9"/>
   </p:sldIdLst>
   <p:sldSz cx="12192000" cy="6858000"/>
   <p:notesSz cx="6858000" cy="9144000"/>
@@ -206,7 +207,7 @@
           <a:p>
             <a:fld id="{F956658C-7EE6-4535-8525-FC53BC74E1F7}" type="datetimeFigureOut">
               <a:rPr lang="ru-RU" smtClean="0"/>
-              <a:t>10.05.2025</a:t>
+              <a:t>13.05.2025</a:t>
             </a:fld>
             <a:endParaRPr lang="ru-RU"/>
           </a:p>
@@ -868,7 +869,7 @@
           <a:p>
             <a:fld id="{60AFB741-D2F6-4D81-9D9A-D305C66ABDF5}" type="datetimeFigureOut">
               <a:rPr lang="ru-RU" smtClean="0"/>
-              <a:t>10.05.2025</a:t>
+              <a:t>13.05.2025</a:t>
             </a:fld>
             <a:endParaRPr lang="ru-RU"/>
           </a:p>
@@ -1076,7 +1077,7 @@
           <a:p>
             <a:fld id="{60AFB741-D2F6-4D81-9D9A-D305C66ABDF5}" type="datetimeFigureOut">
               <a:rPr lang="ru-RU" smtClean="0"/>
-              <a:t>10.05.2025</a:t>
+              <a:t>13.05.2025</a:t>
             </a:fld>
             <a:endParaRPr lang="ru-RU"/>
           </a:p>
@@ -1332,7 +1333,7 @@
           <a:p>
             <a:fld id="{60AFB741-D2F6-4D81-9D9A-D305C66ABDF5}" type="datetimeFigureOut">
               <a:rPr lang="ru-RU" smtClean="0"/>
-              <a:t>10.05.2025</a:t>
+              <a:t>13.05.2025</a:t>
             </a:fld>
             <a:endParaRPr lang="ru-RU"/>
           </a:p>
@@ -1506,7 +1507,7 @@
           <a:p>
             <a:fld id="{60AFB741-D2F6-4D81-9D9A-D305C66ABDF5}" type="datetimeFigureOut">
               <a:rPr lang="ru-RU" smtClean="0"/>
-              <a:t>10.05.2025</a:t>
+              <a:t>13.05.2025</a:t>
             </a:fld>
             <a:endParaRPr lang="ru-RU"/>
           </a:p>
@@ -1849,7 +1850,7 @@
           <a:p>
             <a:fld id="{60AFB741-D2F6-4D81-9D9A-D305C66ABDF5}" type="datetimeFigureOut">
               <a:rPr lang="ru-RU" smtClean="0"/>
-              <a:t>10.05.2025</a:t>
+              <a:t>13.05.2025</a:t>
             </a:fld>
             <a:endParaRPr lang="ru-RU"/>
           </a:p>
@@ -2124,7 +2125,7 @@
           <a:p>
             <a:fld id="{60AFB741-D2F6-4D81-9D9A-D305C66ABDF5}" type="datetimeFigureOut">
               <a:rPr lang="ru-RU" smtClean="0"/>
-              <a:t>10.05.2025</a:t>
+              <a:t>13.05.2025</a:t>
             </a:fld>
             <a:endParaRPr lang="ru-RU"/>
           </a:p>
@@ -2503,7 +2504,7 @@
           <a:p>
             <a:fld id="{60AFB741-D2F6-4D81-9D9A-D305C66ABDF5}" type="datetimeFigureOut">
               <a:rPr lang="ru-RU" smtClean="0"/>
-              <a:t>10.05.2025</a:t>
+              <a:t>13.05.2025</a:t>
             </a:fld>
             <a:endParaRPr lang="ru-RU"/>
           </a:p>
@@ -2621,7 +2622,7 @@
           <a:p>
             <a:fld id="{60AFB741-D2F6-4D81-9D9A-D305C66ABDF5}" type="datetimeFigureOut">
               <a:rPr lang="ru-RU" smtClean="0"/>
-              <a:t>10.05.2025</a:t>
+              <a:t>13.05.2025</a:t>
             </a:fld>
             <a:endParaRPr lang="ru-RU"/>
           </a:p>
@@ -2792,7 +2793,7 @@
           <a:p>
             <a:fld id="{60AFB741-D2F6-4D81-9D9A-D305C66ABDF5}" type="datetimeFigureOut">
               <a:rPr lang="ru-RU" smtClean="0"/>
-              <a:t>10.05.2025</a:t>
+              <a:t>13.05.2025</a:t>
             </a:fld>
             <a:endParaRPr lang="ru-RU"/>
           </a:p>
@@ -3146,7 +3147,7 @@
           <a:p>
             <a:fld id="{60AFB741-D2F6-4D81-9D9A-D305C66ABDF5}" type="datetimeFigureOut">
               <a:rPr lang="ru-RU" smtClean="0"/>
-              <a:t>10.05.2025</a:t>
+              <a:t>13.05.2025</a:t>
             </a:fld>
             <a:endParaRPr lang="ru-RU"/>
           </a:p>
@@ -3528,7 +3529,7 @@
           <a:p>
             <a:fld id="{60AFB741-D2F6-4D81-9D9A-D305C66ABDF5}" type="datetimeFigureOut">
               <a:rPr lang="ru-RU" smtClean="0"/>
-              <a:t>10.05.2025</a:t>
+              <a:t>13.05.2025</a:t>
             </a:fld>
             <a:endParaRPr lang="ru-RU"/>
           </a:p>
@@ -3815,7 +3816,7 @@
           <a:p>
             <a:fld id="{60AFB741-D2F6-4D81-9D9A-D305C66ABDF5}" type="datetimeFigureOut">
               <a:rPr lang="ru-RU" smtClean="0"/>
-              <a:t>10.05.2025</a:t>
+              <a:t>13.05.2025</a:t>
             </a:fld>
             <a:endParaRPr lang="ru-RU"/>
           </a:p>
@@ -4367,19 +4368,8 @@
                 <a:latin typeface="+mn-lt"/>
                 <a:cs typeface="Times New Roman" panose="02020603050405020304" pitchFamily="18" charset="0"/>
               </a:rPr>
-              <a:t>Разработчики</a:t>
-            </a:r>
-            <a:r>
-              <a:rPr lang="ru-RU" sz="2000" b="1" cap="none" spc="0" dirty="0" smtClean="0">
-                <a:latin typeface="+mn-lt"/>
-                <a:cs typeface="Times New Roman" panose="02020603050405020304" pitchFamily="18" charset="0"/>
-              </a:rPr>
-              <a:t>:</a:t>
-            </a:r>
-            <a:endParaRPr lang="ru-RU" sz="2000" b="1" cap="none" spc="0" dirty="0" smtClean="0">
-              <a:latin typeface="+mn-lt"/>
-              <a:cs typeface="Times New Roman" panose="02020603050405020304" pitchFamily="18" charset="0"/>
-            </a:endParaRPr>
+              <a:t>Разработчики:</a:t>
+            </a:r>
           </a:p>
           <a:p>
             <a:pPr algn="l"/>
@@ -4395,14 +4385,7 @@
                 <a:latin typeface="+mn-lt"/>
                 <a:cs typeface="Times New Roman" panose="02020603050405020304" pitchFamily="18" charset="0"/>
               </a:rPr>
-              <a:t>ченик </a:t>
-            </a:r>
-            <a:r>
-              <a:rPr lang="ru-RU" sz="2000" b="1" cap="none" spc="0" dirty="0" smtClean="0">
-                <a:latin typeface="+mn-lt"/>
-                <a:cs typeface="Times New Roman" panose="02020603050405020304" pitchFamily="18" charset="0"/>
-              </a:rPr>
-              <a:t>8 «Д» класса ГАОУ Лицей города Троицка</a:t>
+              <a:t>ченик 8 «Д» класса ГАОУ Лицей города Троицка</a:t>
             </a:r>
           </a:p>
           <a:p>
@@ -4419,14 +4402,7 @@
                 <a:latin typeface="+mn-lt"/>
                 <a:cs typeface="Times New Roman" panose="02020603050405020304" pitchFamily="18" charset="0"/>
               </a:rPr>
-              <a:t> Лев </a:t>
-            </a:r>
-            <a:r>
-              <a:rPr lang="ru-RU" sz="2000" b="1" cap="none" spc="0" dirty="0" smtClean="0">
-                <a:latin typeface="+mn-lt"/>
-                <a:cs typeface="Times New Roman" panose="02020603050405020304" pitchFamily="18" charset="0"/>
-              </a:rPr>
-              <a:t>Андреевич</a:t>
+              <a:t> Лев Андреевич</a:t>
             </a:r>
           </a:p>
           <a:p>
@@ -4467,10 +4443,6 @@
               </a:rPr>
               <a:t> Андрей Дмитриевич</a:t>
             </a:r>
-            <a:endParaRPr lang="ru-RU" sz="2000" b="1" cap="none" spc="0" dirty="0" smtClean="0">
-              <a:latin typeface="Calibri (Основной текст)"/>
-              <a:cs typeface="Times New Roman" panose="02020603050405020304" pitchFamily="18" charset="0"/>
-            </a:endParaRPr>
           </a:p>
         </p:txBody>
       </p:sp>
@@ -4565,8 +4537,8 @@
         </p:nvSpPr>
         <p:spPr>
           <a:xfrm>
-            <a:off x="644842" y="2238955"/>
-            <a:ext cx="10963275" cy="1569660"/>
+            <a:off x="644843" y="2238955"/>
+            <a:ext cx="10510838" cy="2308324"/>
           </a:xfrm>
           <a:prstGeom prst="rect">
             <a:avLst/>
@@ -4769,6 +4741,14 @@
               <a:rPr lang="ru-RU" sz="2400" dirty="0" smtClean="0"/>
               <a:t>Разработать основную концепцию сайта</a:t>
             </a:r>
+            <a:r>
+              <a:rPr lang="en-US" sz="2400" dirty="0" smtClean="0"/>
+              <a:t> (</a:t>
+            </a:r>
+            <a:r>
+              <a:rPr lang="ru-RU" sz="2400" dirty="0" smtClean="0"/>
+              <a:t>решение задач и их проверка)</a:t>
+            </a:r>
             <a:endParaRPr lang="ru-RU" sz="2400" dirty="0"/>
           </a:p>
           <a:p>
@@ -4789,7 +4769,23 @@
             </a:r>
             <a:r>
               <a:rPr lang="ru-RU" sz="2400" dirty="0" smtClean="0"/>
-              <a:t> и идей</a:t>
+              <a:t> и идей  (рейтинг</a:t>
+            </a:r>
+            <a:r>
+              <a:rPr lang="en-US" sz="2400" dirty="0" smtClean="0"/>
+              <a:t>, “</a:t>
+            </a:r>
+            <a:r>
+              <a:rPr lang="ru-RU" sz="2400" dirty="0" smtClean="0"/>
+              <a:t>о нас</a:t>
+            </a:r>
+            <a:r>
+              <a:rPr lang="en-US" sz="2400" dirty="0" smtClean="0"/>
+              <a:t>”,</a:t>
+            </a:r>
+            <a:r>
+              <a:rPr lang="ru-RU" sz="2400" dirty="0" smtClean="0"/>
+              <a:t> профиль)</a:t>
             </a:r>
             <a:endParaRPr lang="ru-RU" sz="2400" dirty="0"/>
           </a:p>
@@ -4803,8 +4799,13 @@
             </a:pPr>
             <a:r>
               <a:rPr lang="ru-RU" sz="2400" dirty="0" smtClean="0"/>
-              <a:t>Создать основной функционал веб-приложения</a:t>
-            </a:r>
+              <a:t>Создать основной функционал веб-приложения (</a:t>
+            </a:r>
+            <a:r>
+              <a:rPr lang="en-US" sz="2400" dirty="0" smtClean="0"/>
+              <a:t>SQL, register, login)</a:t>
+            </a:r>
+            <a:endParaRPr lang="ru-RU" sz="2400" dirty="0" smtClean="0"/>
           </a:p>
           <a:p>
             <a:pPr marL="457200" indent="-457200">
@@ -4816,7 +4817,31 @@
             </a:pPr>
             <a:r>
               <a:rPr lang="ru-RU" sz="2400" dirty="0" smtClean="0"/>
-              <a:t>Добавить дополнительные элементы сайта</a:t>
+              <a:t>Добавить дополнительные элементы сайта (учебники</a:t>
+            </a:r>
+            <a:r>
+              <a:rPr lang="en-US" sz="2400" dirty="0" smtClean="0"/>
+              <a:t>,</a:t>
+            </a:r>
+            <a:r>
+              <a:rPr lang="ru-RU" sz="2400" dirty="0" smtClean="0"/>
+              <a:t> </a:t>
+            </a:r>
+            <a:r>
+              <a:rPr lang="en-US" sz="2400" dirty="0" smtClean="0"/>
+              <a:t>“</a:t>
+            </a:r>
+            <a:r>
+              <a:rPr lang="ru-RU" sz="2400" dirty="0" smtClean="0"/>
+              <a:t>карусель</a:t>
+            </a:r>
+            <a:r>
+              <a:rPr lang="en-US" sz="2400" dirty="0" smtClean="0"/>
+              <a:t>”, API</a:t>
+            </a:r>
+            <a:r>
+              <a:rPr lang="ru-RU" sz="2400" dirty="0" smtClean="0"/>
+              <a:t>)</a:t>
             </a:r>
           </a:p>
           <a:p>
@@ -4837,7 +4862,31 @@
             </a:r>
             <a:r>
               <a:rPr lang="ru-RU" sz="2400" dirty="0" smtClean="0"/>
-              <a:t>файлы.</a:t>
+              <a:t>файлы (</a:t>
+            </a:r>
+            <a:r>
+              <a:rPr lang="en-US" sz="2400" dirty="0" smtClean="0"/>
+              <a:t>config.py, requirements.txt, </a:t>
+            </a:r>
+            <a:r>
+              <a:rPr lang="en-US" sz="2400" dirty="0" err="1" smtClean="0"/>
+              <a:t>gitignore</a:t>
+            </a:r>
+            <a:r>
+              <a:rPr lang="en-US" sz="2400" dirty="0" smtClean="0"/>
+              <a:t> </a:t>
+            </a:r>
+            <a:r>
+              <a:rPr lang="ru-RU" sz="2400" dirty="0" smtClean="0"/>
+              <a:t>и т</a:t>
+            </a:r>
+            <a:r>
+              <a:rPr lang="en-US" sz="2400" dirty="0" smtClean="0"/>
+              <a:t>.</a:t>
+            </a:r>
+            <a:r>
+              <a:rPr lang="ru-RU" sz="2400" dirty="0" smtClean="0"/>
+              <a:t>д)</a:t>
             </a:r>
           </a:p>
           <a:p>
@@ -4868,7 +4917,7 @@
             </a:pPr>
             <a:r>
               <a:rPr lang="ru-RU" sz="2400" dirty="0" smtClean="0"/>
-              <a:t>Протестировать сайт разными пользователями.</a:t>
+              <a:t>Протестировать сайт разными пользователями</a:t>
             </a:r>
           </a:p>
           <a:p>
@@ -5389,7 +5438,25 @@
                 </a:solidFill>
                 <a:latin typeface="+mn-lt"/>
               </a:rPr>
-              <a:t>SQLalchemy</a:t>
+              <a:t>SQL</a:t>
+            </a:r>
+            <a:r>
+              <a:rPr lang="en-US" sz="4000" b="1" dirty="0" err="1">
+                <a:solidFill>
+                  <a:srgbClr val="0070C0"/>
+                </a:solidFill>
+                <a:latin typeface="+mn-lt"/>
+              </a:rPr>
+              <a:t>A</a:t>
+            </a:r>
+            <a:r>
+              <a:rPr lang="en-US" sz="4000" b="1" dirty="0" err="1" smtClean="0">
+                <a:solidFill>
+                  <a:srgbClr val="0070C0"/>
+                </a:solidFill>
+                <a:latin typeface="+mn-lt"/>
+              </a:rPr>
+              <a:t>lchemy</a:t>
             </a:r>
             <a:endParaRPr lang="ru-RU" sz="4000" b="1" dirty="0">
               <a:solidFill>
@@ -5430,7 +5497,15 @@
             </a:pPr>
             <a:r>
               <a:rPr lang="ru-RU" sz="2400" dirty="0" smtClean="0"/>
-              <a:t>В проекте было создано более 6 различных таблиц</a:t>
+              <a:t>В проекте было создано более </a:t>
+            </a:r>
+            <a:r>
+              <a:rPr lang="ru-RU" sz="2400" dirty="0"/>
+              <a:t>6</a:t>
+            </a:r>
+            <a:r>
+              <a:rPr lang="ru-RU" sz="2400" dirty="0" smtClean="0"/>
+              <a:t> различных таблиц</a:t>
             </a:r>
             <a:r>
               <a:rPr lang="en-US" sz="2400" dirty="0" smtClean="0"/>
@@ -5725,6 +5800,225 @@
             <p:ph type="title"/>
           </p:nvPr>
         </p:nvSpPr>
+        <p:spPr/>
+        <p:txBody>
+          <a:bodyPr/>
+          <a:lstStyle/>
+          <a:p>
+            <a:r>
+              <a:rPr lang="ru-RU" b="1" dirty="0" smtClean="0">
+                <a:solidFill>
+                  <a:srgbClr val="0070C0"/>
+                </a:solidFill>
+              </a:rPr>
+              <a:t>Планы на будущее</a:t>
+            </a:r>
+            <a:endParaRPr lang="ru-RU" dirty="0"/>
+          </a:p>
+        </p:txBody>
+      </p:sp>
+      <p:sp>
+        <p:nvSpPr>
+          <p:cNvPr id="3" name="Объект 2"/>
+          <p:cNvSpPr>
+            <a:spLocks noGrp="1"/>
+          </p:cNvSpPr>
+          <p:nvPr>
+            <p:ph idx="1"/>
+          </p:nvPr>
+        </p:nvSpPr>
+        <p:spPr/>
+        <p:txBody>
+          <a:bodyPr>
+            <a:normAutofit/>
+          </a:bodyPr>
+          <a:lstStyle/>
+          <a:p>
+            <a:pPr>
+              <a:buClr>
+                <a:schemeClr val="tx1"/>
+              </a:buClr>
+              <a:buFont typeface="Arial" panose="020B0604020202020204" pitchFamily="34" charset="0"/>
+              <a:buChar char="•"/>
+            </a:pPr>
+            <a:r>
+              <a:rPr lang="ru-RU" sz="2400" dirty="0" smtClean="0"/>
+              <a:t> Добавить возможность написания комментариев под задачами</a:t>
+            </a:r>
+          </a:p>
+          <a:p>
+            <a:pPr>
+              <a:buClr>
+                <a:schemeClr val="tx1"/>
+              </a:buClr>
+              <a:buFont typeface="Arial" panose="020B0604020202020204" pitchFamily="34" charset="0"/>
+              <a:buChar char="•"/>
+            </a:pPr>
+            <a:r>
+              <a:rPr lang="ru-RU" sz="2400" dirty="0"/>
+              <a:t> </a:t>
+            </a:r>
+            <a:r>
+              <a:rPr lang="ru-RU" sz="2400" dirty="0" smtClean="0"/>
+              <a:t>Сделать проверочные и контрольные работы с таймером и допуском</a:t>
+            </a:r>
+          </a:p>
+          <a:p>
+            <a:pPr>
+              <a:buClr>
+                <a:schemeClr val="tx1"/>
+              </a:buClr>
+              <a:buFont typeface="Arial" panose="020B0604020202020204" pitchFamily="34" charset="0"/>
+              <a:buChar char="•"/>
+            </a:pPr>
+            <a:r>
+              <a:rPr lang="ru-RU" sz="2400" dirty="0"/>
+              <a:t> </a:t>
+            </a:r>
+            <a:r>
+              <a:rPr lang="ru-RU" sz="2400" dirty="0" smtClean="0"/>
+              <a:t>Улучшить систему защиты сайта (хотя-бы сделать его приватным в </a:t>
+            </a:r>
+            <a:r>
+              <a:rPr lang="en-US" sz="2400" dirty="0" err="1" smtClean="0"/>
+              <a:t>github</a:t>
+            </a:r>
+            <a:r>
+              <a:rPr lang="ru-RU" sz="2400" dirty="0" smtClean="0"/>
+              <a:t>)</a:t>
+            </a:r>
+          </a:p>
+          <a:p>
+            <a:pPr>
+              <a:buClr>
+                <a:schemeClr val="tx1"/>
+              </a:buClr>
+              <a:buFont typeface="Arial" panose="020B0604020202020204" pitchFamily="34" charset="0"/>
+              <a:buChar char="•"/>
+            </a:pPr>
+            <a:r>
+              <a:rPr lang="ru-RU" sz="2400" dirty="0" smtClean="0"/>
+              <a:t> Поддерживать само приложение </a:t>
+            </a:r>
+            <a:r>
+              <a:rPr lang="ru-RU" sz="2400" smtClean="0"/>
+              <a:t>на плаву (что </a:t>
+            </a:r>
+            <a:r>
+              <a:rPr lang="ru-RU" sz="2400" dirty="0" smtClean="0"/>
+              <a:t>немало важно)</a:t>
+            </a:r>
+          </a:p>
+          <a:p>
+            <a:pPr>
+              <a:buClr>
+                <a:schemeClr val="tx1"/>
+              </a:buClr>
+              <a:buFont typeface="Arial" panose="020B0604020202020204" pitchFamily="34" charset="0"/>
+              <a:buChar char="•"/>
+            </a:pPr>
+            <a:r>
+              <a:rPr lang="ru-RU" sz="2400" dirty="0" smtClean="0"/>
+              <a:t> Значительно улучшить </a:t>
+            </a:r>
+            <a:r>
+              <a:rPr lang="en-US" sz="2400" dirty="0" smtClean="0"/>
+              <a:t>HTML</a:t>
+            </a:r>
+            <a:r>
+              <a:rPr lang="ru-RU" sz="2400" dirty="0" smtClean="0"/>
+              <a:t> и </a:t>
+            </a:r>
+            <a:r>
+              <a:rPr lang="en-US" sz="2400" dirty="0" smtClean="0"/>
+              <a:t>CSS,</a:t>
+            </a:r>
+            <a:r>
+              <a:rPr lang="ru-RU" sz="2400" dirty="0"/>
+              <a:t> </a:t>
+            </a:r>
+            <a:r>
+              <a:rPr lang="ru-RU" sz="2400" dirty="0" smtClean="0"/>
+              <a:t>добавить</a:t>
+            </a:r>
+            <a:r>
+              <a:rPr lang="en-US" sz="2400" dirty="0" smtClean="0"/>
+              <a:t> JavaScript</a:t>
+            </a:r>
+            <a:endParaRPr lang="ru-RU" sz="2400" dirty="0" smtClean="0"/>
+          </a:p>
+          <a:p>
+            <a:pPr>
+              <a:buClr>
+                <a:schemeClr val="tx1"/>
+              </a:buClr>
+              <a:buFont typeface="Arial" panose="020B0604020202020204" pitchFamily="34" charset="0"/>
+              <a:buChar char="•"/>
+            </a:pPr>
+            <a:r>
+              <a:rPr lang="ru-RU" sz="2400" dirty="0" smtClean="0"/>
+              <a:t> Сделать адаптацию под мобильные устройства</a:t>
+            </a:r>
+          </a:p>
+          <a:p>
+            <a:pPr>
+              <a:buClr>
+                <a:schemeClr val="tx1"/>
+              </a:buClr>
+              <a:buFont typeface="Arial" panose="020B0604020202020204" pitchFamily="34" charset="0"/>
+              <a:buChar char="•"/>
+            </a:pPr>
+            <a:r>
+              <a:rPr lang="ru-RU" sz="2400" dirty="0"/>
+              <a:t> </a:t>
+            </a:r>
+            <a:r>
+              <a:rPr lang="ru-RU" sz="2400" dirty="0" smtClean="0"/>
+              <a:t>Ну и остальное по мелочи</a:t>
+            </a:r>
+          </a:p>
+        </p:txBody>
+      </p:sp>
+    </p:spTree>
+    <p:extLst>
+      <p:ext uri="{BB962C8B-B14F-4D97-AF65-F5344CB8AC3E}">
+        <p14:creationId xmlns:p14="http://schemas.microsoft.com/office/powerpoint/2010/main" val="954763825"/>
+      </p:ext>
+    </p:extLst>
+  </p:cSld>
+  <p:clrMapOvr>
+    <a:masterClrMapping/>
+  </p:clrMapOvr>
+</p:sld>
+</file>
+
+<file path=ppt/slides/slide8.xml><?xml version="1.0" encoding="utf-8"?>
+<p:sld xmlns:a="http://schemas.openxmlformats.org/drawingml/2006/main" xmlns:r="http://schemas.openxmlformats.org/officeDocument/2006/relationships" xmlns:p="http://schemas.openxmlformats.org/presentationml/2006/main">
+  <p:cSld>
+    <p:spTree>
+      <p:nvGrpSpPr>
+        <p:cNvPr id="1" name=""/>
+        <p:cNvGrpSpPr/>
+        <p:nvPr/>
+      </p:nvGrpSpPr>
+      <p:grpSpPr>
+        <a:xfrm>
+          <a:off x="0" y="0"/>
+          <a:ext cx="0" cy="0"/>
+          <a:chOff x="0" y="0"/>
+          <a:chExt cx="0" cy="0"/>
+        </a:xfrm>
+      </p:grpSpPr>
+      <p:sp>
+        <p:nvSpPr>
+          <p:cNvPr id="2" name="Заголовок 1"/>
+          <p:cNvSpPr>
+            <a:spLocks noGrp="1"/>
+          </p:cNvSpPr>
+          <p:nvPr>
+            <p:ph type="title"/>
+          </p:nvPr>
+        </p:nvSpPr>
         <p:spPr>
           <a:xfrm>
             <a:off x="3665370" y="553378"/>
@@ -5785,27 +6079,15 @@
             </a:pPr>
             <a:r>
               <a:rPr lang="ru-RU" sz="2400" dirty="0" smtClean="0"/>
-              <a:t>В этой работе нам удалось выполнить все задуманные нами </a:t>
-            </a:r>
-            <a:r>
-              <a:rPr lang="ru-RU" sz="2400" dirty="0" err="1" smtClean="0"/>
-              <a:t>фичи</a:t>
-            </a:r>
-            <a:r>
-              <a:rPr lang="ru-RU" sz="2400" dirty="0" smtClean="0"/>
-              <a:t> и детали</a:t>
+              <a:t>В этой работе нам удалось выполнить все поставленные нами задачи</a:t>
             </a:r>
             <a:r>
               <a:rPr lang="en-US" sz="2400" dirty="0" smtClean="0"/>
               <a:t>,</a:t>
             </a:r>
             <a:r>
-              <a:rPr lang="ru-RU" sz="2400" dirty="0"/>
-              <a:t> </a:t>
-            </a:r>
-            <a:r>
               <a:rPr lang="ru-RU" sz="2400" dirty="0" smtClean="0"/>
-              <a:t>благодаря ним наш проект имеет большой функционал и полноценную работоспособность!</a:t>
+              <a:t> благодаря этому наш проект имеет большой функционал и полноценную работоспособность!</a:t>
             </a:r>
             <a:endParaRPr lang="ru-RU" sz="2400" dirty="0"/>
           </a:p>

--- a/documentation/Создание обучающего сайта EdInPy.pptx
+++ b/documentation/Создание обучающего сайта EdInPy.pptx
@@ -207,7 +207,7 @@
           <a:p>
             <a:fld id="{F956658C-7EE6-4535-8525-FC53BC74E1F7}" type="datetimeFigureOut">
               <a:rPr lang="ru-RU" smtClean="0"/>
-              <a:t>13.05.2025</a:t>
+              <a:t>15.05.2025</a:t>
             </a:fld>
             <a:endParaRPr lang="ru-RU"/>
           </a:p>
@@ -869,7 +869,7 @@
           <a:p>
             <a:fld id="{60AFB741-D2F6-4D81-9D9A-D305C66ABDF5}" type="datetimeFigureOut">
               <a:rPr lang="ru-RU" smtClean="0"/>
-              <a:t>13.05.2025</a:t>
+              <a:t>15.05.2025</a:t>
             </a:fld>
             <a:endParaRPr lang="ru-RU"/>
           </a:p>
@@ -1077,7 +1077,7 @@
           <a:p>
             <a:fld id="{60AFB741-D2F6-4D81-9D9A-D305C66ABDF5}" type="datetimeFigureOut">
               <a:rPr lang="ru-RU" smtClean="0"/>
-              <a:t>13.05.2025</a:t>
+              <a:t>15.05.2025</a:t>
             </a:fld>
             <a:endParaRPr lang="ru-RU"/>
           </a:p>
@@ -1333,7 +1333,7 @@
           <a:p>
             <a:fld id="{60AFB741-D2F6-4D81-9D9A-D305C66ABDF5}" type="datetimeFigureOut">
               <a:rPr lang="ru-RU" smtClean="0"/>
-              <a:t>13.05.2025</a:t>
+              <a:t>15.05.2025</a:t>
             </a:fld>
             <a:endParaRPr lang="ru-RU"/>
           </a:p>
@@ -1507,7 +1507,7 @@
           <a:p>
             <a:fld id="{60AFB741-D2F6-4D81-9D9A-D305C66ABDF5}" type="datetimeFigureOut">
               <a:rPr lang="ru-RU" smtClean="0"/>
-              <a:t>13.05.2025</a:t>
+              <a:t>15.05.2025</a:t>
             </a:fld>
             <a:endParaRPr lang="ru-RU"/>
           </a:p>
@@ -1850,7 +1850,7 @@
           <a:p>
             <a:fld id="{60AFB741-D2F6-4D81-9D9A-D305C66ABDF5}" type="datetimeFigureOut">
               <a:rPr lang="ru-RU" smtClean="0"/>
-              <a:t>13.05.2025</a:t>
+              <a:t>15.05.2025</a:t>
             </a:fld>
             <a:endParaRPr lang="ru-RU"/>
           </a:p>
@@ -2125,7 +2125,7 @@
           <a:p>
             <a:fld id="{60AFB741-D2F6-4D81-9D9A-D305C66ABDF5}" type="datetimeFigureOut">
               <a:rPr lang="ru-RU" smtClean="0"/>
-              <a:t>13.05.2025</a:t>
+              <a:t>15.05.2025</a:t>
             </a:fld>
             <a:endParaRPr lang="ru-RU"/>
           </a:p>
@@ -2504,7 +2504,7 @@
           <a:p>
             <a:fld id="{60AFB741-D2F6-4D81-9D9A-D305C66ABDF5}" type="datetimeFigureOut">
               <a:rPr lang="ru-RU" smtClean="0"/>
-              <a:t>13.05.2025</a:t>
+              <a:t>15.05.2025</a:t>
             </a:fld>
             <a:endParaRPr lang="ru-RU"/>
           </a:p>
@@ -2622,7 +2622,7 @@
           <a:p>
             <a:fld id="{60AFB741-D2F6-4D81-9D9A-D305C66ABDF5}" type="datetimeFigureOut">
               <a:rPr lang="ru-RU" smtClean="0"/>
-              <a:t>13.05.2025</a:t>
+              <a:t>15.05.2025</a:t>
             </a:fld>
             <a:endParaRPr lang="ru-RU"/>
           </a:p>
@@ -2793,7 +2793,7 @@
           <a:p>
             <a:fld id="{60AFB741-D2F6-4D81-9D9A-D305C66ABDF5}" type="datetimeFigureOut">
               <a:rPr lang="ru-RU" smtClean="0"/>
-              <a:t>13.05.2025</a:t>
+              <a:t>15.05.2025</a:t>
             </a:fld>
             <a:endParaRPr lang="ru-RU"/>
           </a:p>
@@ -3147,7 +3147,7 @@
           <a:p>
             <a:fld id="{60AFB741-D2F6-4D81-9D9A-D305C66ABDF5}" type="datetimeFigureOut">
               <a:rPr lang="ru-RU" smtClean="0"/>
-              <a:t>13.05.2025</a:t>
+              <a:t>15.05.2025</a:t>
             </a:fld>
             <a:endParaRPr lang="ru-RU"/>
           </a:p>
@@ -3529,7 +3529,7 @@
           <a:p>
             <a:fld id="{60AFB741-D2F6-4D81-9D9A-D305C66ABDF5}" type="datetimeFigureOut">
               <a:rPr lang="ru-RU" smtClean="0"/>
-              <a:t>13.05.2025</a:t>
+              <a:t>15.05.2025</a:t>
             </a:fld>
             <a:endParaRPr lang="ru-RU"/>
           </a:p>
@@ -3816,7 +3816,7 @@
           <a:p>
             <a:fld id="{60AFB741-D2F6-4D81-9D9A-D305C66ABDF5}" type="datetimeFigureOut">
               <a:rPr lang="ru-RU" smtClean="0"/>
-              <a:t>13.05.2025</a:t>
+              <a:t>15.05.2025</a:t>
             </a:fld>
             <a:endParaRPr lang="ru-RU"/>
           </a:p>
@@ -5989,6 +5989,13 @@
   <p:clrMapOvr>
     <a:masterClrMapping/>
   </p:clrMapOvr>
+  <p:timing>
+    <p:tnLst>
+      <p:par>
+        <p:cTn id="1" dur="indefinite" restart="never" nodeType="tmRoot"/>
+      </p:par>
+    </p:tnLst>
+  </p:timing>
 </p:sld>
 </file>
 
@@ -6095,22 +6102,28 @@
       </p:sp>
       <p:pic>
         <p:nvPicPr>
-          <p:cNvPr id="10" name="Рисунок 9"/>
+          <p:cNvPr id="4" name="Рисунок 3"/>
           <p:cNvPicPr>
             <a:picLocks noChangeAspect="1"/>
           </p:cNvPicPr>
           <p:nvPr/>
         </p:nvPicPr>
         <p:blipFill>
-          <a:blip r:embed="rId2"/>
+          <a:blip r:embed="rId2" cstate="print">
+            <a:extLst>
+              <a:ext uri="{28A0092B-C50C-407E-A947-70E740481C1C}">
+                <a14:useLocalDpi xmlns:a14="http://schemas.microsoft.com/office/drawing/2010/main" val="0"/>
+              </a:ext>
+            </a:extLst>
+          </a:blip>
           <a:stretch>
             <a:fillRect/>
           </a:stretch>
         </p:blipFill>
         <p:spPr>
           <a:xfrm>
-            <a:off x="501702" y="1926054"/>
-            <a:ext cx="3346399" cy="1525846"/>
+            <a:off x="146399" y="1907293"/>
+            <a:ext cx="3988415" cy="1880936"/>
           </a:xfrm>
           <a:prstGeom prst="rect">
             <a:avLst/>
@@ -6124,22 +6137,28 @@
       </p:pic>
       <p:pic>
         <p:nvPicPr>
-          <p:cNvPr id="11" name="Рисунок 10"/>
+          <p:cNvPr id="5" name="Рисунок 4"/>
           <p:cNvPicPr>
             <a:picLocks noChangeAspect="1"/>
           </p:cNvPicPr>
           <p:nvPr/>
         </p:nvPicPr>
         <p:blipFill>
-          <a:blip r:embed="rId3"/>
+          <a:blip r:embed="rId3" cstate="print">
+            <a:extLst>
+              <a:ext uri="{28A0092B-C50C-407E-A947-70E740481C1C}">
+                <a14:useLocalDpi xmlns:a14="http://schemas.microsoft.com/office/drawing/2010/main" val="0"/>
+              </a:ext>
+            </a:extLst>
+          </a:blip>
           <a:stretch>
             <a:fillRect/>
           </a:stretch>
         </p:blipFill>
         <p:spPr>
           <a:xfrm>
-            <a:off x="501702" y="4114941"/>
-            <a:ext cx="3346399" cy="1585963"/>
+            <a:off x="158760" y="4130214"/>
+            <a:ext cx="3976054" cy="1869370"/>
           </a:xfrm>
           <a:prstGeom prst="rect">
             <a:avLst/>
@@ -6153,22 +6172,28 @@
       </p:pic>
       <p:pic>
         <p:nvPicPr>
-          <p:cNvPr id="12" name="Рисунок 11"/>
+          <p:cNvPr id="6" name="Рисунок 5"/>
           <p:cNvPicPr>
             <a:picLocks noChangeAspect="1"/>
           </p:cNvPicPr>
           <p:nvPr/>
         </p:nvPicPr>
         <p:blipFill>
-          <a:blip r:embed="rId4"/>
+          <a:blip r:embed="rId4" cstate="print">
+            <a:extLst>
+              <a:ext uri="{28A0092B-C50C-407E-A947-70E740481C1C}">
+                <a14:useLocalDpi xmlns:a14="http://schemas.microsoft.com/office/drawing/2010/main" val="0"/>
+              </a:ext>
+            </a:extLst>
+          </a:blip>
           <a:stretch>
             <a:fillRect/>
           </a:stretch>
         </p:blipFill>
         <p:spPr>
           <a:xfrm>
-            <a:off x="8339516" y="1926055"/>
-            <a:ext cx="3388883" cy="1598196"/>
+            <a:off x="8057186" y="1907293"/>
+            <a:ext cx="3953068" cy="1874566"/>
           </a:xfrm>
           <a:prstGeom prst="rect">
             <a:avLst/>
@@ -6182,22 +6207,28 @@
       </p:pic>
       <p:pic>
         <p:nvPicPr>
-          <p:cNvPr id="13" name="Рисунок 12"/>
+          <p:cNvPr id="7" name="Рисунок 6"/>
           <p:cNvPicPr>
             <a:picLocks noChangeAspect="1"/>
           </p:cNvPicPr>
           <p:nvPr/>
         </p:nvPicPr>
         <p:blipFill>
-          <a:blip r:embed="rId5"/>
+          <a:blip r:embed="rId5" cstate="print">
+            <a:extLst>
+              <a:ext uri="{28A0092B-C50C-407E-A947-70E740481C1C}">
+                <a14:useLocalDpi xmlns:a14="http://schemas.microsoft.com/office/drawing/2010/main" val="0"/>
+              </a:ext>
+            </a:extLst>
+          </a:blip>
           <a:stretch>
             <a:fillRect/>
           </a:stretch>
         </p:blipFill>
         <p:spPr>
           <a:xfrm>
-            <a:off x="8339516" y="4114941"/>
-            <a:ext cx="3388883" cy="1596431"/>
+            <a:off x="8057186" y="4130214"/>
+            <a:ext cx="3971632" cy="1869370"/>
           </a:xfrm>
           <a:prstGeom prst="rect">
             <a:avLst/>
